--- a/doc/2018-inu-취업코딩면접특강-01.pptx
+++ b/doc/2018-inu-취업코딩면접특강-01.pptx
@@ -12351,11 +12351,7 @@
             </a:r>
             <a:r>
               <a:rPr lang="en-US" altLang="ko-KR" sz="1600" dirty="0" smtClean="0"/>
-              <a:t> </a:t>
-            </a:r>
-            <a:r>
-              <a:rPr lang="en-US" altLang="ko-KR" sz="1600" dirty="0" smtClean="0"/>
-              <a:t>- </a:t>
+              <a:t> - </a:t>
             </a:r>
             <a:r>
               <a:rPr lang="ko-KR" altLang="en-US" sz="1600" dirty="0" err="1" smtClean="0"/>
@@ -14487,11 +14483,7 @@
           <a:p>
             <a:r>
               <a:rPr lang="en-US" altLang="ko-KR" sz="1600" dirty="0" smtClean="0"/>
-              <a:t>Heap </a:t>
-            </a:r>
-            <a:r>
-              <a:rPr lang="en-US" altLang="ko-KR" sz="1600" dirty="0" smtClean="0"/>
-              <a:t>sort</a:t>
+              <a:t>Heap sort</a:t>
             </a:r>
           </a:p>
           <a:p>
@@ -15286,11 +15278,15 @@
               <a:t>시</a:t>
             </a:r>
             <a:r>
-              <a:rPr lang="en-US" altLang="ko-KR" sz="1400" dirty="0" smtClean="0"/>
-              <a:t>~21</a:t>
-            </a:r>
-            <a:r>
-              <a:rPr lang="ko-KR" altLang="en-US" sz="1400" dirty="0" smtClean="0"/>
+              <a:rPr lang="en-US" altLang="ko-KR" sz="1400" smtClean="0"/>
+              <a:t>~</a:t>
+            </a:r>
+            <a:r>
+              <a:rPr lang="en-US" altLang="ko-KR" sz="1400" smtClean="0"/>
+              <a:t>20</a:t>
+            </a:r>
+            <a:r>
+              <a:rPr lang="ko-KR" altLang="en-US" sz="1400" smtClean="0"/>
               <a:t>시 </a:t>
             </a:r>
             <a:endParaRPr lang="en-US" altLang="ko-KR" sz="1400" dirty="0" smtClean="0"/>
@@ -15339,11 +15335,7 @@
             <a:pPr marL="400050" lvl="1" indent="180975"/>
             <a:r>
               <a:rPr lang="en-US" altLang="ko-KR" sz="1400" dirty="0" smtClean="0"/>
-              <a:t>C / C</a:t>
-            </a:r>
-            <a:r>
-              <a:rPr lang="en-US" altLang="ko-KR" sz="1400" dirty="0" smtClean="0"/>
-              <a:t>++ </a:t>
+              <a:t>C / C++ </a:t>
             </a:r>
             <a:r>
               <a:rPr lang="ko-KR" altLang="en-US" sz="1400" dirty="0" smtClean="0"/>
@@ -15363,11 +15355,7 @@
             </a:r>
             <a:r>
               <a:rPr lang="ko-KR" altLang="en-US" sz="1400" dirty="0" smtClean="0"/>
-              <a:t>알고리즘 </a:t>
-            </a:r>
-            <a:r>
-              <a:rPr lang="ko-KR" altLang="en-US" sz="1400" dirty="0" smtClean="0"/>
-              <a:t>기본</a:t>
+              <a:t>알고리즘 기본</a:t>
             </a:r>
             <a:endParaRPr lang="en-US" altLang="ko-KR" sz="1400" dirty="0" smtClean="0"/>
           </a:p>
@@ -15854,7 +15842,7 @@
           <a:p>
             <a:r>
               <a:rPr lang="ko-KR" altLang="en-US" sz="2000" dirty="0" smtClean="0"/>
-              <a:t>하노이</a:t>
+              <a:t>하노이타워</a:t>
             </a:r>
             <a:endParaRPr lang="ko-KR" altLang="en-US" sz="2000" dirty="0"/>
           </a:p>
@@ -15871,59 +15859,6 @@
               <a:t>개미수열</a:t>
             </a:r>
             <a:endParaRPr lang="ko-KR" altLang="en-US" sz="2000" dirty="0"/>
-          </a:p>
-        </p:txBody>
-      </p:sp>
-      <p:sp>
-        <p:nvSpPr>
-          <p:cNvPr id="2" name="직사각형 1"/>
-          <p:cNvSpPr/>
-          <p:nvPr/>
-        </p:nvSpPr>
-        <p:spPr>
-          <a:xfrm>
-            <a:off x="2286000" y="2967335"/>
-            <a:ext cx="4572000" cy="923330"/>
-          </a:xfrm>
-          <a:prstGeom prst="rect">
-            <a:avLst/>
-          </a:prstGeom>
-        </p:spPr>
-        <p:txBody>
-          <a:bodyPr>
-            <a:spAutoFit/>
-          </a:bodyPr>
-          <a:lstStyle/>
-          <a:p>
-            <a:r>
-              <a:rPr lang="ko-KR" altLang="en-US" dirty="0"/>
-              <a:t>이진 탐색 트리 에서 중위순회를 하는 반복자</a:t>
-            </a:r>
-            <a:r>
-              <a:rPr lang="en-US" altLang="ko-KR" dirty="0"/>
-              <a:t>(iterator)</a:t>
-            </a:r>
-            <a:r>
-              <a:rPr lang="ko-KR" altLang="en-US" dirty="0"/>
-              <a:t>를 만드는데 필요한 </a:t>
-            </a:r>
-            <a:r>
-              <a:rPr lang="en-US" altLang="ko-KR" dirty="0"/>
-              <a:t>begin</a:t>
-            </a:r>
-            <a:r>
-              <a:rPr lang="ko-KR" altLang="en-US" dirty="0"/>
-              <a:t>과 </a:t>
-            </a:r>
-            <a:r>
-              <a:rPr lang="en-US" altLang="ko-KR" dirty="0"/>
-              <a:t>next </a:t>
-            </a:r>
-            <a:r>
-              <a:rPr lang="ko-KR" altLang="en-US" dirty="0"/>
-              <a:t>함수 작성</a:t>
-            </a:r>
-            <a:endParaRPr lang="en-US" altLang="ko-KR" dirty="0"/>
           </a:p>
         </p:txBody>
       </p:sp>
@@ -17502,7 +17437,6 @@
               <a:rPr lang="en-US" altLang="ko-KR" sz="2000" dirty="0" smtClean="0"/>
               <a:t> </a:t>
             </a:r>
-            <a:endParaRPr lang="en-US" altLang="ko-KR" sz="2000" dirty="0" smtClean="0"/>
           </a:p>
           <a:p>
             <a:endParaRPr lang="en-US" altLang="ko-KR" sz="2000" dirty="0"/>
@@ -17514,11 +17448,7 @@
             </a:r>
             <a:r>
               <a:rPr lang="ko-KR" altLang="en-US" sz="2000" dirty="0" smtClean="0"/>
-              <a:t>아스키 </a:t>
-            </a:r>
-            <a:r>
-              <a:rPr lang="ko-KR" altLang="en-US" sz="2000" dirty="0" smtClean="0"/>
-              <a:t>문자열을 </a:t>
+              <a:t>아스키 문자열을 </a:t>
             </a:r>
             <a:r>
               <a:rPr lang="ko-KR" altLang="en-US" sz="2000" dirty="0" err="1" smtClean="0"/>
